--- a/Slides/Lecture 7-1.pptx
+++ b/Slides/Lecture 7-1.pptx
@@ -242,7 +242,7 @@
             <a:fld id="{A6781D3C-003D-4837-A496-9A32CDA8003A}" type="datetimeFigureOut">
               <a:rPr lang="en-US" smtClean="0"/>
               <a:pPr/>
-              <a:t>2/5/19</a:t>
+              <a:t>2/4/2019</a:t>
             </a:fld>
             <a:endParaRPr lang="en-US"/>
           </a:p>
@@ -508,98 +508,6 @@
     </a:lvl9pPr>
   </p:notesStyle>
 </p:notesMaster>
-</file>
-
-<file path=ppt/notesSlides/notesSlide1.xml><?xml version="1.0" encoding="utf-8"?>
-<p:notes xmlns:a="http://schemas.openxmlformats.org/drawingml/2006/main" xmlns:r="http://schemas.openxmlformats.org/officeDocument/2006/relationships" xmlns:p="http://schemas.openxmlformats.org/presentationml/2006/main">
-  <p:cSld>
-    <p:spTree>
-      <p:nvGrpSpPr>
-        <p:cNvPr id="1" name=""/>
-        <p:cNvGrpSpPr/>
-        <p:nvPr/>
-      </p:nvGrpSpPr>
-      <p:grpSpPr>
-        <a:xfrm>
-          <a:off x="0" y="0"/>
-          <a:ext cx="0" cy="0"/>
-          <a:chOff x="0" y="0"/>
-          <a:chExt cx="0" cy="0"/>
-        </a:xfrm>
-      </p:grpSpPr>
-      <p:sp>
-        <p:nvSpPr>
-          <p:cNvPr id="2" name="Slide Image Placeholder 1"/>
-          <p:cNvSpPr>
-            <a:spLocks noGrp="1" noRot="1" noChangeAspect="1"/>
-          </p:cNvSpPr>
-          <p:nvPr>
-            <p:ph type="sldImg"/>
-          </p:nvPr>
-        </p:nvSpPr>
-        <p:spPr/>
-      </p:sp>
-      <p:sp>
-        <p:nvSpPr>
-          <p:cNvPr id="3" name="Notes Placeholder 2"/>
-          <p:cNvSpPr>
-            <a:spLocks noGrp="1"/>
-          </p:cNvSpPr>
-          <p:nvPr>
-            <p:ph type="body" idx="1"/>
-          </p:nvPr>
-        </p:nvSpPr>
-        <p:spPr/>
-        <p:txBody>
-          <a:bodyPr/>
-          <a:lstStyle/>
-          <a:p>
-            <a:r>
-              <a:rPr lang="en-US" dirty="0"/>
-              <a:t>Total of 9 possibilities </a:t>
-            </a:r>
-            <a:r>
-              <a:rPr lang="en-US"/>
-              <a:t>of sequence of 2.</a:t>
-            </a:r>
-          </a:p>
-        </p:txBody>
-      </p:sp>
-      <p:sp>
-        <p:nvSpPr>
-          <p:cNvPr id="4" name="Slide Number Placeholder 3"/>
-          <p:cNvSpPr>
-            <a:spLocks noGrp="1"/>
-          </p:cNvSpPr>
-          <p:nvPr>
-            <p:ph type="sldNum" sz="quarter" idx="5"/>
-          </p:nvPr>
-        </p:nvSpPr>
-        <p:spPr/>
-        <p:txBody>
-          <a:bodyPr/>
-          <a:lstStyle/>
-          <a:p>
-            <a:fld id="{6529D11D-5857-48CF-ABB8-89B8AC9FD03C}" type="slidenum">
-              <a:rPr lang="en-US" smtClean="0"/>
-              <a:pPr/>
-              <a:t>12</a:t>
-            </a:fld>
-            <a:endParaRPr lang="en-US"/>
-          </a:p>
-        </p:txBody>
-      </p:sp>
-    </p:spTree>
-    <p:extLst>
-      <p:ext uri="{BB962C8B-B14F-4D97-AF65-F5344CB8AC3E}">
-        <p14:creationId xmlns:p14="http://schemas.microsoft.com/office/powerpoint/2010/main" val="958272329"/>
-      </p:ext>
-    </p:extLst>
-  </p:cSld>
-  <p:clrMapOvr>
-    <a:masterClrMapping/>
-  </p:clrMapOvr>
-</p:notes>
 </file>
 
 <file path=ppt/slideLayouts/slideLayout1.xml><?xml version="1.0" encoding="utf-8"?>
@@ -4328,6 +4236,13 @@
   <p:clrMapOvr>
     <a:masterClrMapping/>
   </p:clrMapOvr>
+  <p:timing>
+    <p:tnLst>
+      <p:par>
+        <p:cTn id="1" dur="indefinite" restart="never" nodeType="tmRoot"/>
+      </p:par>
+    </p:tnLst>
+  </p:timing>
 </p:sld>
 </file>
 
@@ -6000,6 +5915,13 @@
   <p:clrMapOvr>
     <a:masterClrMapping/>
   </p:clrMapOvr>
+  <p:timing>
+    <p:tnLst>
+      <p:par>
+        <p:cTn id="1" dur="indefinite" restart="never" nodeType="tmRoot"/>
+      </p:par>
+    </p:tnLst>
+  </p:timing>
 </p:sld>
 </file>
 
@@ -6156,28 +6078,28 @@
                 <a:gridCol w="855453">
                   <a:extLst>
                     <a:ext uri="{9D8B030D-6E8A-4147-A177-3AD203B41FA5}">
-                      <a16:colId xmlns:a16="http://schemas.microsoft.com/office/drawing/2014/main" val="20000"/>
+                      <a16:colId xmlns="" xmlns:a16="http://schemas.microsoft.com/office/drawing/2014/main" val="20000"/>
                     </a:ext>
                   </a:extLst>
                 </a:gridCol>
                 <a:gridCol w="819509">
                   <a:extLst>
                     <a:ext uri="{9D8B030D-6E8A-4147-A177-3AD203B41FA5}">
-                      <a16:colId xmlns:a16="http://schemas.microsoft.com/office/drawing/2014/main" val="20001"/>
+                      <a16:colId xmlns="" xmlns:a16="http://schemas.microsoft.com/office/drawing/2014/main" val="20001"/>
                     </a:ext>
                   </a:extLst>
                 </a:gridCol>
                 <a:gridCol w="793630">
                   <a:extLst>
                     <a:ext uri="{9D8B030D-6E8A-4147-A177-3AD203B41FA5}">
-                      <a16:colId xmlns:a16="http://schemas.microsoft.com/office/drawing/2014/main" val="20002"/>
+                      <a16:colId xmlns="" xmlns:a16="http://schemas.microsoft.com/office/drawing/2014/main" val="20002"/>
                     </a:ext>
                   </a:extLst>
                 </a:gridCol>
                 <a:gridCol w="785004">
                   <a:extLst>
                     <a:ext uri="{9D8B030D-6E8A-4147-A177-3AD203B41FA5}">
-                      <a16:colId xmlns:a16="http://schemas.microsoft.com/office/drawing/2014/main" val="20003"/>
+                      <a16:colId xmlns="" xmlns:a16="http://schemas.microsoft.com/office/drawing/2014/main" val="20003"/>
                     </a:ext>
                   </a:extLst>
                 </a:gridCol>
@@ -6958,7 +6880,7 @@
                 </a:tc>
                 <a:extLst>
                   <a:ext uri="{0D108BD9-81ED-4DB2-BD59-A6C34878D82A}">
-                    <a16:rowId xmlns:a16="http://schemas.microsoft.com/office/drawing/2014/main" val="10000"/>
+                    <a16:rowId xmlns="" xmlns:a16="http://schemas.microsoft.com/office/drawing/2014/main" val="10000"/>
                   </a:ext>
                 </a:extLst>
               </a:tr>
@@ -7741,7 +7663,7 @@
                 </a:tc>
                 <a:extLst>
                   <a:ext uri="{0D108BD9-81ED-4DB2-BD59-A6C34878D82A}">
-                    <a16:rowId xmlns:a16="http://schemas.microsoft.com/office/drawing/2014/main" val="10001"/>
+                    <a16:rowId xmlns="" xmlns:a16="http://schemas.microsoft.com/office/drawing/2014/main" val="10001"/>
                   </a:ext>
                 </a:extLst>
               </a:tr>
@@ -8524,7 +8446,7 @@
                 </a:tc>
                 <a:extLst>
                   <a:ext uri="{0D108BD9-81ED-4DB2-BD59-A6C34878D82A}">
-                    <a16:rowId xmlns:a16="http://schemas.microsoft.com/office/drawing/2014/main" val="10002"/>
+                    <a16:rowId xmlns="" xmlns:a16="http://schemas.microsoft.com/office/drawing/2014/main" val="10002"/>
                   </a:ext>
                 </a:extLst>
               </a:tr>
@@ -8542,6 +8464,13 @@
   <p:clrMapOvr>
     <a:masterClrMapping/>
   </p:clrMapOvr>
+  <p:timing>
+    <p:tnLst>
+      <p:par>
+        <p:cTn id="1" dur="indefinite" restart="never" nodeType="tmRoot"/>
+      </p:par>
+    </p:tnLst>
+  </p:timing>
 </p:sld>
 </file>
 
@@ -8727,6 +8656,13 @@
   <p:clrMapOvr>
     <a:masterClrMapping/>
   </p:clrMapOvr>
+  <p:timing>
+    <p:tnLst>
+      <p:par>
+        <p:cTn id="1" dur="indefinite" restart="never" nodeType="tmRoot"/>
+      </p:par>
+    </p:tnLst>
+  </p:timing>
 </p:sld>
 </file>
 
@@ -8949,6 +8885,13 @@
   <p:clrMapOvr>
     <a:masterClrMapping/>
   </p:clrMapOvr>
+  <p:timing>
+    <p:tnLst>
+      <p:par>
+        <p:cTn id="1" dur="indefinite" restart="never" nodeType="tmRoot"/>
+      </p:par>
+    </p:tnLst>
+  </p:timing>
 </p:sld>
 </file>
 
@@ -9094,6 +9037,13 @@
   <p:clrMapOvr>
     <a:masterClrMapping/>
   </p:clrMapOvr>
+  <p:timing>
+    <p:tnLst>
+      <p:par>
+        <p:cTn id="1" dur="indefinite" restart="never" nodeType="tmRoot"/>
+      </p:par>
+    </p:tnLst>
+  </p:timing>
 </p:sld>
 </file>
 
@@ -9207,6 +9157,13 @@
   <p:clrMapOvr>
     <a:masterClrMapping/>
   </p:clrMapOvr>
+  <p:timing>
+    <p:tnLst>
+      <p:par>
+        <p:cTn id="1" dur="indefinite" restart="never" nodeType="tmRoot"/>
+      </p:par>
+    </p:tnLst>
+  </p:timing>
 </p:sld>
 </file>
 
@@ -9329,6 +9286,13 @@
   <p:clrMapOvr>
     <a:masterClrMapping/>
   </p:clrMapOvr>
+  <p:timing>
+    <p:tnLst>
+      <p:par>
+        <p:cTn id="1" dur="indefinite" restart="never" nodeType="tmRoot"/>
+      </p:par>
+    </p:tnLst>
+  </p:timing>
 </p:sld>
 </file>
 
@@ -9539,6 +9503,13 @@
   <p:clrMapOvr>
     <a:masterClrMapping/>
   </p:clrMapOvr>
+  <p:timing>
+    <p:tnLst>
+      <p:par>
+        <p:cTn id="1" dur="indefinite" restart="never" nodeType="tmRoot"/>
+      </p:par>
+    </p:tnLst>
+  </p:timing>
 </p:sld>
 </file>
 
@@ -9708,6 +9679,13 @@
   <p:clrMapOvr>
     <a:masterClrMapping/>
   </p:clrMapOvr>
+  <p:timing>
+    <p:tnLst>
+      <p:par>
+        <p:cTn id="1" dur="indefinite" restart="never" nodeType="tmRoot"/>
+      </p:par>
+    </p:tnLst>
+  </p:timing>
 </p:sld>
 </file>
 
@@ -9904,6 +9882,13 @@
   <p:clrMapOvr>
     <a:masterClrMapping/>
   </p:clrMapOvr>
+  <p:timing>
+    <p:tnLst>
+      <p:par>
+        <p:cTn id="1" dur="indefinite" restart="never" nodeType="tmRoot"/>
+      </p:par>
+    </p:tnLst>
+  </p:timing>
 </p:sld>
 </file>
 
@@ -10999,6 +10984,13 @@
   <p:clrMapOvr>
     <a:masterClrMapping/>
   </p:clrMapOvr>
+  <p:timing>
+    <p:tnLst>
+      <p:par>
+        <p:cTn id="1" dur="indefinite" restart="never" nodeType="tmRoot"/>
+      </p:par>
+    </p:tnLst>
+  </p:timing>
 </p:sld>
 </file>
 
@@ -12195,6 +12187,13 @@
   <p:clrMapOvr>
     <a:masterClrMapping/>
   </p:clrMapOvr>
+  <p:timing>
+    <p:tnLst>
+      <p:par>
+        <p:cTn id="1" dur="indefinite" restart="never" nodeType="tmRoot"/>
+      </p:par>
+    </p:tnLst>
+  </p:timing>
 </p:sld>
 </file>
 
@@ -13361,6 +13360,13 @@
   <p:clrMapOvr>
     <a:masterClrMapping/>
   </p:clrMapOvr>
+  <p:timing>
+    <p:tnLst>
+      <p:par>
+        <p:cTn id="1" dur="indefinite" restart="never" nodeType="tmRoot"/>
+      </p:par>
+    </p:tnLst>
+  </p:timing>
 </p:sld>
 </file>
 
@@ -21610,6 +21616,13 @@
   <p:clrMapOvr>
     <a:masterClrMapping/>
   </p:clrMapOvr>
+  <p:timing>
+    <p:tnLst>
+      <p:par>
+        <p:cTn id="1" dur="indefinite" restart="never" nodeType="tmRoot"/>
+      </p:par>
+    </p:tnLst>
+  </p:timing>
 </p:sld>
 </file>
 
@@ -21664,45 +21677,47 @@
         </p:nvSpPr>
         <p:spPr/>
         <p:txBody>
-          <a:bodyPr/>
+          <a:bodyPr>
+            <a:noAutofit/>
+          </a:bodyPr>
           <a:lstStyle/>
           <a:p>
             <a:r>
-              <a:rPr lang="en-US" dirty="0"/>
+              <a:rPr lang="en-US" sz="2800" dirty="0"/>
               <a:t>Advantages of HMMs</a:t>
             </a:r>
           </a:p>
           <a:p>
             <a:pPr lvl="1"/>
             <a:r>
-              <a:rPr lang="en-US" dirty="0"/>
+              <a:rPr lang="en-US" sz="2400" dirty="0"/>
               <a:t>Relatively high accuracy</a:t>
             </a:r>
           </a:p>
           <a:p>
             <a:pPr lvl="1"/>
             <a:r>
-              <a:rPr lang="en-US" dirty="0"/>
+              <a:rPr lang="en-US" sz="2400" dirty="0"/>
               <a:t>Easy to train</a:t>
             </a:r>
           </a:p>
           <a:p>
             <a:r>
-              <a:rPr lang="en-US" dirty="0"/>
+              <a:rPr lang="en-US" sz="2800" dirty="0"/>
               <a:t>Higher-Order HMM</a:t>
             </a:r>
           </a:p>
           <a:p>
             <a:pPr lvl="1"/>
             <a:r>
-              <a:rPr lang="en-US" dirty="0"/>
+              <a:rPr lang="en-US" sz="2400" dirty="0"/>
               <a:t>The previous example was about bigram HMMs</a:t>
             </a:r>
           </a:p>
           <a:p>
             <a:pPr lvl="1"/>
             <a:r>
-              <a:rPr lang="en-US" dirty="0"/>
+              <a:rPr lang="en-US" sz="2400" dirty="0"/>
               <a:t>How can you modify it to work with trigrams?</a:t>
             </a:r>
           </a:p>
@@ -21718,6 +21733,13 @@
   <p:clrMapOvr>
     <a:masterClrMapping/>
   </p:clrMapOvr>
+  <p:timing>
+    <p:tnLst>
+      <p:par>
+        <p:cTn id="1" dur="indefinite" restart="never" nodeType="tmRoot"/>
+      </p:par>
+    </p:tnLst>
+  </p:timing>
 </p:sld>
 </file>
 
@@ -21837,6 +21859,13 @@
   <p:clrMapOvr>
     <a:masterClrMapping/>
   </p:clrMapOvr>
+  <p:timing>
+    <p:tnLst>
+      <p:par>
+        <p:cTn id="1" dur="indefinite" restart="never" nodeType="tmRoot"/>
+      </p:par>
+    </p:tnLst>
+  </p:timing>
 </p:sld>
 </file>
 
@@ -21954,35 +21983,6 @@
           </a:prstGeom>
         </p:spPr>
       </p:pic>
-      <p:sp>
-        <p:nvSpPr>
-          <p:cNvPr id="5" name="TextBox 4"/>
-          <p:cNvSpPr txBox="1"/>
-          <p:nvPr/>
-        </p:nvSpPr>
-        <p:spPr>
-          <a:xfrm>
-            <a:off x="6536724" y="4720966"/>
-            <a:ext cx="1896096" cy="369332"/>
-          </a:xfrm>
-          <a:prstGeom prst="rect">
-            <a:avLst/>
-          </a:prstGeom>
-          <a:noFill/>
-        </p:spPr>
-        <p:txBody>
-          <a:bodyPr wrap="none" rtlCol="0">
-            <a:spAutoFit/>
-          </a:bodyPr>
-          <a:lstStyle/>
-          <a:p>
-            <a:r>
-              <a:rPr lang="en-US" dirty="0"/>
-              <a:t>Source: Wikipedia</a:t>
-            </a:r>
-          </a:p>
-        </p:txBody>
-      </p:sp>
     </p:spTree>
     <p:extLst>
       <p:ext uri="{BB962C8B-B14F-4D97-AF65-F5344CB8AC3E}">
@@ -21993,6 +21993,13 @@
   <p:clrMapOvr>
     <a:masterClrMapping/>
   </p:clrMapOvr>
+  <p:timing>
+    <p:tnLst>
+      <p:par>
+        <p:cTn id="1" dur="indefinite" restart="never" nodeType="tmRoot"/>
+      </p:par>
+    </p:tnLst>
+  </p:timing>
 </p:sld>
 </file>
 
@@ -22255,8 +22262,12 @@
               <a:t>t</a:t>
             </a:r>
             <a:r>
+              <a:rPr lang="en-US" altLang="en-US" dirty="0" smtClean="0"/>
+              <a:t>) = </a:t>
+            </a:r>
+            <a:r>
               <a:rPr lang="en-US" altLang="en-US" dirty="0"/>
-              <a:t>) = P(X</a:t>
+              <a:t>P(X</a:t>
             </a:r>
             <a:r>
               <a:rPr lang="en-US" altLang="en-US" baseline="-25000" dirty="0"/>
@@ -22290,10 +22301,10 @@
               </a:lnSpc>
             </a:pPr>
             <a:r>
-              <a:rPr lang="en-US" altLang="en-US" dirty="0"/>
+              <a:rPr lang="en-US" altLang="en-US" dirty="0" smtClean="0"/>
               <a:t>Definition</a:t>
             </a:r>
-            <a:endParaRPr lang="bg-BG" altLang="en-US" dirty="0"/>
+            <a:endParaRPr lang="bg-BG" altLang="en-US" dirty="0" smtClean="0"/>
           </a:p>
           <a:p>
             <a:pPr lvl="1">
@@ -22302,8 +22313,12 @@
               </a:lnSpc>
             </a:pPr>
             <a:r>
+              <a:rPr lang="en-US" altLang="en-US" dirty="0" smtClean="0"/>
+              <a:t>in </a:t>
+            </a:r>
+            <a:r>
               <a:rPr lang="en-US" altLang="en-US" dirty="0"/>
-              <a:t>in terms of a transition matrix A and initial state probabilities </a:t>
+              <a:t>terms of a transition matrix A and initial state probabilities </a:t>
             </a:r>
             <a:r>
               <a:rPr lang="en-US" altLang="en-US" dirty="0">
@@ -22333,6 +22348,13 @@
   <p:clrMapOvr>
     <a:masterClrMapping/>
   </p:clrMapOvr>
+  <p:timing>
+    <p:tnLst>
+      <p:par>
+        <p:cTn id="1" dur="indefinite" restart="never" nodeType="tmRoot"/>
+      </p:par>
+    </p:tnLst>
+  </p:timing>
 </p:sld>
 </file>
 
@@ -26151,6 +26173,13 @@
   <p:clrMapOvr>
     <a:masterClrMapping/>
   </p:clrMapOvr>
+  <p:timing>
+    <p:tnLst>
+      <p:par>
+        <p:cTn id="1" dur="indefinite" restart="never" nodeType="tmRoot"/>
+      </p:par>
+    </p:tnLst>
+  </p:timing>
 </p:sld>
 </file>
 
@@ -26518,7 +26547,7 @@
           <a:graphicData uri="http://schemas.openxmlformats.org/presentationml/2006/ole">
             <mc:AlternateContent xmlns:mc="http://schemas.openxmlformats.org/markup-compatibility/2006">
               <mc:Choice xmlns:v="urn:schemas-microsoft-com:vml" Requires="v">
-                <p:oleObj spid="_x0000_s1056" name="Equation" r:id="rId3" imgW="876300" imgH="457200" progId="Equation.3">
+                <p:oleObj spid="_x0000_s1061" name="Equation" r:id="rId3" imgW="876300" imgH="457200" progId="Equation.3">
                   <p:embed/>
                 </p:oleObj>
               </mc:Choice>
@@ -26568,6 +26597,13 @@
   <p:clrMapOvr>
     <a:masterClrMapping/>
   </p:clrMapOvr>
+  <p:timing>
+    <p:tnLst>
+      <p:par>
+        <p:cTn id="1" dur="indefinite" restart="never" nodeType="tmRoot"/>
+      </p:par>
+    </p:tnLst>
+  </p:timing>
 </p:sld>
 </file>
 
@@ -26765,6 +26801,13 @@
   <p:clrMapOvr>
     <a:masterClrMapping/>
   </p:clrMapOvr>
+  <p:timing>
+    <p:tnLst>
+      <p:par>
+        <p:cTn id="1" dur="indefinite" restart="never" nodeType="tmRoot"/>
+      </p:par>
+    </p:tnLst>
+  </p:timing>
 </p:sld>
 </file>
 
@@ -26872,6 +26915,13 @@
   <p:clrMapOvr>
     <a:masterClrMapping/>
   </p:clrMapOvr>
+  <p:timing>
+    <p:tnLst>
+      <p:par>
+        <p:cTn id="1" dur="indefinite" restart="never" nodeType="tmRoot"/>
+      </p:par>
+    </p:tnLst>
+  </p:timing>
 </p:sld>
 </file>
 
@@ -27912,6 +27962,13 @@
   <p:clrMapOvr>
     <a:masterClrMapping/>
   </p:clrMapOvr>
+  <p:timing>
+    <p:tnLst>
+      <p:par>
+        <p:cTn id="1" dur="indefinite" restart="never" nodeType="tmRoot"/>
+      </p:par>
+    </p:tnLst>
+  </p:timing>
 </p:sld>
 </file>
 
